--- a/1stLOD_WS_クロージング.pptx
+++ b/1stLOD_WS_クロージング.pptx
@@ -4673,8 +4673,21 @@
             </a:br>
             <a:r>
               <a:rPr lang="en-US" altLang="ja-JP" sz="2400" dirty="0"/>
-              <a:t>     http://wiki.lifesciencedb.jp/mw/SPARQLthon59</a:t>
-            </a:r>
+              <a:t>     </a:t>
+            </a:r>
+            <a:r>
+              <a:rPr lang="en-US" altLang="ja-JP" sz="2400" dirty="0">
+                <a:hlinkClick r:id="rId2"/>
+              </a:rPr>
+              <a:t>http://</a:t>
+            </a:r>
+            <a:r>
+              <a:rPr lang="en-US" altLang="ja-JP" sz="2400" dirty="0" smtClean="0">
+                <a:hlinkClick r:id="rId2"/>
+              </a:rPr>
+              <a:t>wiki.lifesciencedb.jp/mw/SPARQLthon59</a:t>
+            </a:r>
+            <a:endParaRPr lang="en-US" altLang="ja-JP" sz="2400" dirty="0"/>
           </a:p>
           <a:p>
             <a:r>
@@ -4783,11 +4796,40 @@
               <a:rPr lang="ja-JP" altLang="en-US" sz="2400" dirty="0" smtClean="0"/>
               <a:t>」</a:t>
             </a:r>
-            <a:endParaRPr lang="en-US" altLang="ja-JP" sz="2400" dirty="0"/>
-          </a:p>
-          <a:p>
-            <a:r>
-              <a:rPr lang="en-US" altLang="ja-JP" sz="2400" b="1" dirty="0"/>
+            <a:r>
+              <a:rPr lang="en-US" altLang="ja-JP" sz="2400" dirty="0"/>
+              <a:t/>
+            </a:r>
+            <a:br>
+              <a:rPr lang="en-US" altLang="ja-JP" sz="2400" dirty="0"/>
+            </a:br>
+            <a:r>
+              <a:rPr lang="ja-JP" altLang="en-US" sz="2400" dirty="0" smtClean="0"/>
+              <a:t>　</a:t>
+            </a:r>
+            <a:r>
+              <a:rPr lang="en-US" altLang="ja-JP" sz="2400" dirty="0" smtClean="0">
+                <a:hlinkClick r:id="rId3"/>
+              </a:rPr>
+              <a:t>http</a:t>
+            </a:r>
+            <a:r>
+              <a:rPr lang="en-US" altLang="ja-JP" sz="2400" dirty="0">
+                <a:hlinkClick r:id="rId3"/>
+              </a:rPr>
+              <a:t>://www.sigswo.org</a:t>
+            </a:r>
+            <a:r>
+              <a:rPr lang="en-US" altLang="ja-JP" sz="2400" dirty="0" smtClean="0">
+                <a:hlinkClick r:id="rId3"/>
+              </a:rPr>
+              <a:t>/</a:t>
+            </a:r>
+            <a:endParaRPr lang="en-US" altLang="ja-JP" sz="2400" dirty="0" smtClean="0"/>
+          </a:p>
+          <a:p>
+            <a:r>
+              <a:rPr lang="en-US" altLang="ja-JP" sz="2400" b="1" dirty="0" smtClean="0"/>
               <a:t>9</a:t>
             </a:r>
             <a:r>
